--- a/Experiment.pptx
+++ b/Experiment.pptx
@@ -6,10 +6,12 @@
   </p:sldMasterIdLst>
   <p:sldIdLst>
     <p:sldId id="256" r:id="rId2"/>
-    <p:sldId id="257" r:id="rId3"/>
-    <p:sldId id="258" r:id="rId4"/>
-    <p:sldId id="259" r:id="rId5"/>
-    <p:sldId id="260" r:id="rId6"/>
+    <p:sldId id="261" r:id="rId3"/>
+    <p:sldId id="262" r:id="rId4"/>
+    <p:sldId id="257" r:id="rId5"/>
+    <p:sldId id="258" r:id="rId6"/>
+    <p:sldId id="259" r:id="rId7"/>
+    <p:sldId id="260" r:id="rId8"/>
   </p:sldIdLst>
   <p:sldSz cx="12192000" cy="6858000"/>
   <p:notesSz cx="6858000" cy="9144000"/>
@@ -108,6 +110,11 @@
       </a:defRPr>
     </a:lvl9pPr>
   </p:defaultTextStyle>
+  <p:extLst>
+    <p:ext uri="{EFAFB233-063F-42B5-8137-9DF3F51BA10A}">
+      <p15:sldGuideLst xmlns:p15="http://schemas.microsoft.com/office/powerpoint/2012/main"/>
+    </p:ext>
+  </p:extLst>
 </p:presentation>
 </file>
 
@@ -4285,6 +4292,247 @@
           <p:cNvPr id="2" name="標題 1">
             <a:extLst>
               <a:ext uri="{FF2B5EF4-FFF2-40B4-BE49-F238E27FC236}">
+                <a16:creationId xmlns:a16="http://schemas.microsoft.com/office/drawing/2014/main" id="{0F5F4CF4-D7AC-7E4E-81C1-F57C20E8E6F9}"/>
+              </a:ext>
+            </a:extLst>
+          </p:cNvPr>
+          <p:cNvSpPr>
+            <a:spLocks noGrp="1"/>
+          </p:cNvSpPr>
+          <p:nvPr>
+            <p:ph type="title"/>
+          </p:nvPr>
+        </p:nvSpPr>
+        <p:spPr/>
+        <p:txBody>
+          <a:bodyPr/>
+          <a:lstStyle/>
+          <a:p>
+            <a:r>
+              <a:rPr kumimoji="1" lang="en-US" altLang="zh-TW" dirty="0"/>
+              <a:t>Goal</a:t>
+            </a:r>
+            <a:endParaRPr kumimoji="1" lang="zh-TW" altLang="en-US" dirty="0"/>
+          </a:p>
+        </p:txBody>
+      </p:sp>
+      <p:sp>
+        <p:nvSpPr>
+          <p:cNvPr id="3" name="內容版面配置區 2">
+            <a:extLst>
+              <a:ext uri="{FF2B5EF4-FFF2-40B4-BE49-F238E27FC236}">
+                <a16:creationId xmlns:a16="http://schemas.microsoft.com/office/drawing/2014/main" id="{526541B7-98A2-8F48-A278-75BD4A02CCDE}"/>
+              </a:ext>
+            </a:extLst>
+          </p:cNvPr>
+          <p:cNvSpPr>
+            <a:spLocks noGrp="1"/>
+          </p:cNvSpPr>
+          <p:nvPr>
+            <p:ph idx="1"/>
+          </p:nvPr>
+        </p:nvSpPr>
+        <p:spPr/>
+        <p:txBody>
+          <a:bodyPr/>
+          <a:lstStyle/>
+          <a:p>
+            <a:pPr marL="0" indent="0">
+              <a:buNone/>
+            </a:pPr>
+            <a:endParaRPr kumimoji="1" lang="en-US" altLang="zh-TW" dirty="0"/>
+          </a:p>
+          <a:p>
+            <a:pPr marL="514350" indent="-514350">
+              <a:buAutoNum type="arabicPeriod"/>
+            </a:pPr>
+            <a:r>
+              <a:rPr kumimoji="1" lang="en-US" altLang="zh-TW" dirty="0"/>
+              <a:t>Reduce the I/O frequency.</a:t>
+            </a:r>
+          </a:p>
+          <a:p>
+            <a:pPr marL="514350" indent="-514350">
+              <a:buAutoNum type="arabicPeriod"/>
+            </a:pPr>
+            <a:endParaRPr kumimoji="1" lang="en-US" altLang="zh-TW" dirty="0"/>
+          </a:p>
+          <a:p>
+            <a:pPr marL="514350" indent="-514350">
+              <a:buAutoNum type="arabicPeriod"/>
+            </a:pPr>
+            <a:r>
+              <a:rPr kumimoji="1" lang="en-US" altLang="zh-TW" dirty="0"/>
+              <a:t>Allow more Concurrency. </a:t>
+            </a:r>
+            <a:endParaRPr kumimoji="1" lang="zh-TW" altLang="en-US" dirty="0"/>
+          </a:p>
+        </p:txBody>
+      </p:sp>
+    </p:spTree>
+    <p:extLst>
+      <p:ext uri="{BB962C8B-B14F-4D97-AF65-F5344CB8AC3E}">
+        <p14:creationId xmlns:p14="http://schemas.microsoft.com/office/powerpoint/2010/main" val="4154994546"/>
+      </p:ext>
+    </p:extLst>
+  </p:cSld>
+  <p:clrMapOvr>
+    <a:masterClrMapping/>
+  </p:clrMapOvr>
+</p:sld>
+</file>
+
+<file path=ppt/slides/slide3.xml><?xml version="1.0" encoding="utf-8"?>
+<p:sld xmlns:a="http://schemas.openxmlformats.org/drawingml/2006/main" xmlns:r="http://schemas.openxmlformats.org/officeDocument/2006/relationships" xmlns:p="http://schemas.openxmlformats.org/presentationml/2006/main">
+  <p:cSld>
+    <p:spTree>
+      <p:nvGrpSpPr>
+        <p:cNvPr id="1" name=""/>
+        <p:cNvGrpSpPr/>
+        <p:nvPr/>
+      </p:nvGrpSpPr>
+      <p:grpSpPr>
+        <a:xfrm>
+          <a:off x="0" y="0"/>
+          <a:ext cx="0" cy="0"/>
+          <a:chOff x="0" y="0"/>
+          <a:chExt cx="0" cy="0"/>
+        </a:xfrm>
+      </p:grpSpPr>
+      <p:sp>
+        <p:nvSpPr>
+          <p:cNvPr id="2" name="標題 1">
+            <a:extLst>
+              <a:ext uri="{FF2B5EF4-FFF2-40B4-BE49-F238E27FC236}">
+                <a16:creationId xmlns:a16="http://schemas.microsoft.com/office/drawing/2014/main" id="{7251F546-A2E4-EC42-876A-270B6C30D2D3}"/>
+              </a:ext>
+            </a:extLst>
+          </p:cNvPr>
+          <p:cNvSpPr>
+            <a:spLocks noGrp="1"/>
+          </p:cNvSpPr>
+          <p:nvPr>
+            <p:ph type="title"/>
+          </p:nvPr>
+        </p:nvSpPr>
+        <p:spPr/>
+        <p:txBody>
+          <a:bodyPr/>
+          <a:lstStyle/>
+          <a:p>
+            <a:r>
+              <a:rPr kumimoji="1" lang="en-US" altLang="zh-TW" dirty="0"/>
+              <a:t>Method</a:t>
+            </a:r>
+            <a:endParaRPr kumimoji="1" lang="zh-TW" altLang="en-US" dirty="0"/>
+          </a:p>
+        </p:txBody>
+      </p:sp>
+      <p:sp>
+        <p:nvSpPr>
+          <p:cNvPr id="3" name="內容版面配置區 2">
+            <a:extLst>
+              <a:ext uri="{FF2B5EF4-FFF2-40B4-BE49-F238E27FC236}">
+                <a16:creationId xmlns:a16="http://schemas.microsoft.com/office/drawing/2014/main" id="{6ED5F98E-640E-BD4F-9259-73D3CC88A706}"/>
+              </a:ext>
+            </a:extLst>
+          </p:cNvPr>
+          <p:cNvSpPr>
+            <a:spLocks noGrp="1"/>
+          </p:cNvSpPr>
+          <p:nvPr>
+            <p:ph idx="1"/>
+          </p:nvPr>
+        </p:nvSpPr>
+        <p:spPr/>
+        <p:txBody>
+          <a:bodyPr/>
+          <a:lstStyle/>
+          <a:p>
+            <a:pPr marL="0" indent="0">
+              <a:buNone/>
+            </a:pPr>
+            <a:r>
+              <a:rPr kumimoji="1" lang="en-US" altLang="zh-TW" dirty="0"/>
+              <a:t>1 </a:t>
+            </a:r>
+            <a:r>
+              <a:rPr kumimoji="1" lang="en-US" altLang="zh-TW" dirty="0" err="1"/>
+              <a:t>Locktable</a:t>
+            </a:r>
+            <a:r>
+              <a:rPr kumimoji="1" lang="en-US" altLang="zh-TW" dirty="0"/>
+              <a:t> =&gt; allow more thread to run  concurrently</a:t>
+            </a:r>
+          </a:p>
+          <a:p>
+            <a:pPr marL="0" indent="0">
+              <a:buNone/>
+            </a:pPr>
+            <a:endParaRPr kumimoji="1" lang="en-US" altLang="zh-TW" dirty="0"/>
+          </a:p>
+          <a:p>
+            <a:pPr marL="0" indent="0">
+              <a:buNone/>
+            </a:pPr>
+            <a:r>
+              <a:rPr kumimoji="1" lang="en-US" altLang="zh-TW" dirty="0"/>
+              <a:t>2.ChacheMgr =&gt; Public Cache</a:t>
+            </a:r>
+          </a:p>
+          <a:p>
+            <a:pPr marL="0" indent="0">
+              <a:buNone/>
+            </a:pPr>
+            <a:endParaRPr kumimoji="1" lang="en-US" altLang="zh-TW" dirty="0"/>
+          </a:p>
+          <a:p>
+            <a:pPr marL="0" indent="0">
+              <a:buNone/>
+            </a:pPr>
+            <a:r>
+              <a:rPr kumimoji="1" lang="en-US" altLang="zh-TW" dirty="0"/>
+              <a:t>3.Hashcode =&gt; Reduce Calculation</a:t>
+            </a:r>
+            <a:endParaRPr kumimoji="1" lang="zh-TW" altLang="en-US" dirty="0"/>
+          </a:p>
+        </p:txBody>
+      </p:sp>
+    </p:spTree>
+    <p:extLst>
+      <p:ext uri="{BB962C8B-B14F-4D97-AF65-F5344CB8AC3E}">
+        <p14:creationId xmlns:p14="http://schemas.microsoft.com/office/powerpoint/2010/main" val="2660033798"/>
+      </p:ext>
+    </p:extLst>
+  </p:cSld>
+  <p:clrMapOvr>
+    <a:masterClrMapping/>
+  </p:clrMapOvr>
+</p:sld>
+</file>
+
+<file path=ppt/slides/slide4.xml><?xml version="1.0" encoding="utf-8"?>
+<p:sld xmlns:a="http://schemas.openxmlformats.org/drawingml/2006/main" xmlns:r="http://schemas.openxmlformats.org/officeDocument/2006/relationships" xmlns:p="http://schemas.openxmlformats.org/presentationml/2006/main">
+  <p:cSld>
+    <p:spTree>
+      <p:nvGrpSpPr>
+        <p:cNvPr id="1" name=""/>
+        <p:cNvGrpSpPr/>
+        <p:nvPr/>
+      </p:nvGrpSpPr>
+      <p:grpSpPr>
+        <a:xfrm>
+          <a:off x="0" y="0"/>
+          <a:ext cx="0" cy="0"/>
+          <a:chOff x="0" y="0"/>
+          <a:chExt cx="0" cy="0"/>
+        </a:xfrm>
+      </p:grpSpPr>
+      <p:sp>
+        <p:nvSpPr>
+          <p:cNvPr id="2" name="標題 1">
+            <a:extLst>
+              <a:ext uri="{FF2B5EF4-FFF2-40B4-BE49-F238E27FC236}">
                 <a16:creationId xmlns:a16="http://schemas.microsoft.com/office/drawing/2014/main" id="{27E13B8F-8FEE-F542-B8C7-714D7CC639EC}"/>
               </a:ext>
             </a:extLst>
@@ -4381,7 +4629,7 @@
 </p:sld>
 </file>
 
-<file path=ppt/slides/slide3.xml><?xml version="1.0" encoding="utf-8"?>
+<file path=ppt/slides/slide5.xml><?xml version="1.0" encoding="utf-8"?>
 <p:sld xmlns:a="http://schemas.openxmlformats.org/drawingml/2006/main" xmlns:r="http://schemas.openxmlformats.org/officeDocument/2006/relationships" xmlns:p="http://schemas.openxmlformats.org/presentationml/2006/main">
   <p:cSld>
     <p:spTree>
@@ -4499,7 +4747,7 @@
 </p:sld>
 </file>
 
-<file path=ppt/slides/slide4.xml><?xml version="1.0" encoding="utf-8"?>
+<file path=ppt/slides/slide6.xml><?xml version="1.0" encoding="utf-8"?>
 <p:sld xmlns:a="http://schemas.openxmlformats.org/drawingml/2006/main" xmlns:r="http://schemas.openxmlformats.org/officeDocument/2006/relationships" xmlns:p="http://schemas.openxmlformats.org/presentationml/2006/main">
   <p:cSld>
     <p:spTree>
@@ -4588,7 +4836,7 @@
 </p:sld>
 </file>
 
-<file path=ppt/slides/slide5.xml><?xml version="1.0" encoding="utf-8"?>
+<file path=ppt/slides/slide7.xml><?xml version="1.0" encoding="utf-8"?>
 <p:sld xmlns:a="http://schemas.openxmlformats.org/drawingml/2006/main" xmlns:r="http://schemas.openxmlformats.org/officeDocument/2006/relationships" xmlns:p="http://schemas.openxmlformats.org/presentationml/2006/main">
   <p:cSld>
     <p:spTree>
